--- a/images/GLM.pptx
+++ b/images/GLM.pptx
@@ -104,6 +104,11 @@
       </a:defRPr>
     </a:lvl9pPr>
   </p:defaultTextStyle>
+  <p:extLst>
+    <p:ext uri="{EFAFB233-063F-42B5-8137-9DF3F51BA10A}">
+      <p15:sldGuideLst xmlns:p15="http://schemas.microsoft.com/office/powerpoint/2012/main"/>
+    </p:ext>
+  </p:extLst>
 </p:presentation>
 </file>
 
@@ -254,7 +259,7 @@
           <a:p>
             <a:fld id="{C33E4E75-C564-4025-87C7-E148C3E130D4}" type="datetimeFigureOut">
               <a:rPr lang="en-US" smtClean="0"/>
-              <a:t>4/14/2021</a:t>
+              <a:t>1/28/2025</a:t>
             </a:fld>
             <a:endParaRPr lang="en-US"/>
           </a:p>
@@ -452,7 +457,7 @@
           <a:p>
             <a:fld id="{C33E4E75-C564-4025-87C7-E148C3E130D4}" type="datetimeFigureOut">
               <a:rPr lang="en-US" smtClean="0"/>
-              <a:t>4/14/2021</a:t>
+              <a:t>1/28/2025</a:t>
             </a:fld>
             <a:endParaRPr lang="en-US"/>
           </a:p>
@@ -660,7 +665,7 @@
           <a:p>
             <a:fld id="{C33E4E75-C564-4025-87C7-E148C3E130D4}" type="datetimeFigureOut">
               <a:rPr lang="en-US" smtClean="0"/>
-              <a:t>4/14/2021</a:t>
+              <a:t>1/28/2025</a:t>
             </a:fld>
             <a:endParaRPr lang="en-US"/>
           </a:p>
@@ -858,7 +863,7 @@
           <a:p>
             <a:fld id="{C33E4E75-C564-4025-87C7-E148C3E130D4}" type="datetimeFigureOut">
               <a:rPr lang="en-US" smtClean="0"/>
-              <a:t>4/14/2021</a:t>
+              <a:t>1/28/2025</a:t>
             </a:fld>
             <a:endParaRPr lang="en-US"/>
           </a:p>
@@ -1133,7 +1138,7 @@
           <a:p>
             <a:fld id="{C33E4E75-C564-4025-87C7-E148C3E130D4}" type="datetimeFigureOut">
               <a:rPr lang="en-US" smtClean="0"/>
-              <a:t>4/14/2021</a:t>
+              <a:t>1/28/2025</a:t>
             </a:fld>
             <a:endParaRPr lang="en-US"/>
           </a:p>
@@ -1398,7 +1403,7 @@
           <a:p>
             <a:fld id="{C33E4E75-C564-4025-87C7-E148C3E130D4}" type="datetimeFigureOut">
               <a:rPr lang="en-US" smtClean="0"/>
-              <a:t>4/14/2021</a:t>
+              <a:t>1/28/2025</a:t>
             </a:fld>
             <a:endParaRPr lang="en-US"/>
           </a:p>
@@ -1810,7 +1815,7 @@
           <a:p>
             <a:fld id="{C33E4E75-C564-4025-87C7-E148C3E130D4}" type="datetimeFigureOut">
               <a:rPr lang="en-US" smtClean="0"/>
-              <a:t>4/14/2021</a:t>
+              <a:t>1/28/2025</a:t>
             </a:fld>
             <a:endParaRPr lang="en-US"/>
           </a:p>
@@ -1951,7 +1956,7 @@
           <a:p>
             <a:fld id="{C33E4E75-C564-4025-87C7-E148C3E130D4}" type="datetimeFigureOut">
               <a:rPr lang="en-US" smtClean="0"/>
-              <a:t>4/14/2021</a:t>
+              <a:t>1/28/2025</a:t>
             </a:fld>
             <a:endParaRPr lang="en-US"/>
           </a:p>
@@ -2064,7 +2069,7 @@
           <a:p>
             <a:fld id="{C33E4E75-C564-4025-87C7-E148C3E130D4}" type="datetimeFigureOut">
               <a:rPr lang="en-US" smtClean="0"/>
-              <a:t>4/14/2021</a:t>
+              <a:t>1/28/2025</a:t>
             </a:fld>
             <a:endParaRPr lang="en-US"/>
           </a:p>
@@ -2375,7 +2380,7 @@
           <a:p>
             <a:fld id="{C33E4E75-C564-4025-87C7-E148C3E130D4}" type="datetimeFigureOut">
               <a:rPr lang="en-US" smtClean="0"/>
-              <a:t>4/14/2021</a:t>
+              <a:t>1/28/2025</a:t>
             </a:fld>
             <a:endParaRPr lang="en-US"/>
           </a:p>
@@ -2663,7 +2668,7 @@
           <a:p>
             <a:fld id="{C33E4E75-C564-4025-87C7-E148C3E130D4}" type="datetimeFigureOut">
               <a:rPr lang="en-US" smtClean="0"/>
-              <a:t>4/14/2021</a:t>
+              <a:t>1/28/2025</a:t>
             </a:fld>
             <a:endParaRPr lang="en-US"/>
           </a:p>
@@ -2904,7 +2909,7 @@
           <a:p>
             <a:fld id="{C33E4E75-C564-4025-87C7-E148C3E130D4}" type="datetimeFigureOut">
               <a:rPr lang="en-US" smtClean="0"/>
-              <a:t>4/14/2021</a:t>
+              <a:t>1/28/2025</a:t>
             </a:fld>
             <a:endParaRPr lang="en-US"/>
           </a:p>
@@ -3351,6 +3356,7 @@
               </a:bodyPr>
               <a:lstStyle/>
               <a:p>
+                <a:pPr/>
                 <a14:m>
                   <m:oMathPara xmlns:m="http://schemas.openxmlformats.org/officeDocument/2006/math">
                     <m:oMathParaPr>
@@ -3358,15 +3364,22 @@
                     </m:oMathParaPr>
                     <m:oMath xmlns:m="http://schemas.openxmlformats.org/officeDocument/2006/math">
                       <m:r>
-                        <a:rPr lang="en-US" i="1" dirty="0" smtClean="0">
+                        <a:rPr lang="en-US" b="1" i="1" dirty="0" smtClean="0">
+                          <a:solidFill>
+                            <a:schemeClr val="tx1"/>
+                          </a:solidFill>
                           <a:latin typeface="Cambria Math" panose="02040503050406030204" pitchFamily="18" charset="0"/>
                         </a:rPr>
-                        <m:t>𝜃</m:t>
+                        <m:t>𝜽</m:t>
                       </m:r>
                     </m:oMath>
                   </m:oMathPara>
                 </a14:m>
-                <a:endParaRPr lang="en-US" dirty="0"/>
+                <a:endParaRPr lang="en-US" b="1" dirty="0">
+                  <a:solidFill>
+                    <a:schemeClr val="tx1"/>
+                  </a:solidFill>
+                </a:endParaRPr>
               </a:p>
             </p:txBody>
           </p:sp>
@@ -3446,6 +3459,7 @@
               </a:bodyPr>
               <a:lstStyle/>
               <a:p>
+                <a:pPr/>
                 <a14:m>
                   <m:oMathPara xmlns:m="http://schemas.openxmlformats.org/officeDocument/2006/math">
                     <m:oMathParaPr>
@@ -3453,15 +3467,22 @@
                     </m:oMathParaPr>
                     <m:oMath xmlns:m="http://schemas.openxmlformats.org/officeDocument/2006/math">
                       <m:r>
-                        <a:rPr lang="en-US" b="0" i="1" dirty="0" smtClean="0">
+                        <a:rPr lang="en-US" b="1" i="1" dirty="0" smtClean="0">
+                          <a:solidFill>
+                            <a:schemeClr val="tx1"/>
+                          </a:solidFill>
                           <a:latin typeface="Cambria Math" panose="02040503050406030204" pitchFamily="18" charset="0"/>
                         </a:rPr>
-                        <m:t>𝜇</m:t>
+                        <m:t>𝝁</m:t>
                       </m:r>
                     </m:oMath>
                   </m:oMathPara>
                 </a14:m>
-                <a:endParaRPr lang="en-US" dirty="0"/>
+                <a:endParaRPr lang="en-US" b="1" dirty="0">
+                  <a:solidFill>
+                    <a:schemeClr val="tx1"/>
+                  </a:solidFill>
+                </a:endParaRPr>
               </a:p>
             </p:txBody>
           </p:sp>
@@ -3541,6 +3562,7 @@
               </a:bodyPr>
               <a:lstStyle/>
               <a:p>
+                <a:pPr/>
                 <a14:m>
                   <m:oMathPara xmlns:m="http://schemas.openxmlformats.org/officeDocument/2006/math">
                     <m:oMathParaPr>
@@ -3548,15 +3570,22 @@
                     </m:oMathParaPr>
                     <m:oMath xmlns:m="http://schemas.openxmlformats.org/officeDocument/2006/math">
                       <m:r>
-                        <a:rPr lang="en-US" b="0" i="1" dirty="0" smtClean="0">
+                        <a:rPr lang="en-US" b="1" i="1" dirty="0" smtClean="0">
+                          <a:solidFill>
+                            <a:schemeClr val="tx1"/>
+                          </a:solidFill>
                           <a:latin typeface="Cambria Math" panose="02040503050406030204" pitchFamily="18" charset="0"/>
                         </a:rPr>
-                        <m:t>𝜂</m:t>
+                        <m:t>𝜼</m:t>
                       </m:r>
                     </m:oMath>
                   </m:oMathPara>
                 </a14:m>
-                <a:endParaRPr lang="en-US" b="0" dirty="0"/>
+                <a:endParaRPr lang="en-US" b="1" dirty="0">
+                  <a:solidFill>
+                    <a:schemeClr val="tx1"/>
+                  </a:solidFill>
+                </a:endParaRPr>
               </a:p>
             </p:txBody>
           </p:sp>
@@ -3791,7 +3820,7 @@
           <a:lstStyle/>
           <a:p>
             <a:r>
-              <a:rPr lang="en-US" dirty="0"/>
+              <a:rPr lang="en-US" b="1" dirty="0"/>
               <a:t>Parameters</a:t>
             </a:r>
           </a:p>
@@ -3827,7 +3856,7 @@
           <a:p>
             <a:pPr algn="ctr"/>
             <a:r>
-              <a:rPr lang="en-US" dirty="0"/>
+              <a:rPr lang="en-US" b="1" dirty="0"/>
               <a:t>Mean</a:t>
             </a:r>
           </a:p>
@@ -3863,7 +3892,7 @@
           <a:p>
             <a:pPr algn="ctr"/>
             <a:r>
-              <a:rPr lang="en-US" dirty="0"/>
+              <a:rPr lang="en-US" b="1" dirty="0"/>
               <a:t>Linear Predictor</a:t>
             </a:r>
           </a:p>
@@ -3899,6 +3928,7 @@
               </a:bodyPr>
               <a:lstStyle/>
               <a:p>
+                <a:pPr/>
                 <a14:m>
                   <m:oMathPara xmlns:m="http://schemas.openxmlformats.org/officeDocument/2006/math">
                     <m:oMathParaPr>
@@ -3908,9 +3938,9 @@
                       <m:sSup>
                         <m:sSupPr>
                           <m:ctrlPr>
-                            <a:rPr lang="en-US" dirty="0" smtClean="0">
+                            <a:rPr lang="en-US" b="1" i="1" dirty="0" smtClean="0">
                               <a:solidFill>
-                                <a:srgbClr val="836967"/>
+                                <a:schemeClr val="tx1"/>
                               </a:solidFill>
                               <a:latin typeface="Cambria Math" panose="02040503050406030204" pitchFamily="18" charset="0"/>
                             </a:rPr>
@@ -3918,15 +3948,21 @@
                         </m:sSupPr>
                         <m:e>
                           <m:r>
-                            <a:rPr lang="en-US" i="1" dirty="0">
+                            <a:rPr lang="en-US" b="1" i="1" dirty="0">
+                              <a:solidFill>
+                                <a:schemeClr val="tx1"/>
+                              </a:solidFill>
                               <a:latin typeface="Cambria Math" panose="02040503050406030204" pitchFamily="18" charset="0"/>
                             </a:rPr>
-                            <m:t>𝑏</m:t>
+                            <m:t>𝒃</m:t>
                           </m:r>
                         </m:e>
                         <m:sup>
                           <m:r>
-                            <a:rPr lang="en-US" i="0" dirty="0">
+                            <a:rPr lang="en-US" b="1" i="0" dirty="0">
+                              <a:solidFill>
+                                <a:schemeClr val="tx1"/>
+                              </a:solidFill>
                               <a:latin typeface="Cambria Math" panose="02040503050406030204" pitchFamily="18" charset="0"/>
                             </a:rPr>
                             <m:t>′</m:t>
@@ -3936,9 +3972,9 @@
                       <m:d>
                         <m:dPr>
                           <m:ctrlPr>
-                            <a:rPr lang="en-US" i="1" dirty="0">
+                            <a:rPr lang="en-US" b="1" i="1" dirty="0">
                               <a:solidFill>
-                                <a:srgbClr val="836967"/>
+                                <a:schemeClr val="tx1"/>
                               </a:solidFill>
                               <a:latin typeface="Cambria Math" panose="02040503050406030204" pitchFamily="18" charset="0"/>
                             </a:rPr>
@@ -3946,17 +3982,24 @@
                         </m:dPr>
                         <m:e>
                           <m:r>
-                            <a:rPr lang="en-US" i="1" dirty="0">
+                            <a:rPr lang="en-US" b="1" i="1" dirty="0">
+                              <a:solidFill>
+                                <a:schemeClr val="tx1"/>
+                              </a:solidFill>
                               <a:latin typeface="Cambria Math" panose="02040503050406030204" pitchFamily="18" charset="0"/>
                             </a:rPr>
-                            <m:t>𝜃</m:t>
+                            <m:t>𝜽</m:t>
                           </m:r>
                         </m:e>
                       </m:d>
                     </m:oMath>
                   </m:oMathPara>
                 </a14:m>
-                <a:endParaRPr lang="en-US" dirty="0"/>
+                <a:endParaRPr lang="en-US" b="1" dirty="0">
+                  <a:solidFill>
+                    <a:schemeClr val="tx1"/>
+                  </a:solidFill>
+                </a:endParaRPr>
               </a:p>
             </p:txBody>
           </p:sp>
@@ -4023,7 +4066,7 @@
             <p:spPr>
               <a:xfrm>
                 <a:off x="3230232" y="2441276"/>
-                <a:ext cx="752296" cy="369332"/>
+                <a:ext cx="752296" cy="375552"/>
               </a:xfrm>
               <a:prstGeom prst="rect">
                 <a:avLst/>
@@ -4036,6 +4079,7 @@
               </a:bodyPr>
               <a:lstStyle/>
               <a:p>
+                <a:pPr/>
                 <a14:m>
                   <m:oMathPara xmlns:m="http://schemas.openxmlformats.org/officeDocument/2006/math">
                     <m:oMathParaPr>
@@ -4045,9 +4089,9 @@
                       <m:sSup>
                         <m:sSupPr>
                           <m:ctrlPr>
-                            <a:rPr lang="en-US" dirty="0" smtClean="0">
+                            <a:rPr lang="en-US" b="1" i="1" dirty="0" smtClean="0">
                               <a:solidFill>
-                                <a:srgbClr val="836967"/>
+                                <a:schemeClr val="tx1"/>
                               </a:solidFill>
                               <a:latin typeface="Cambria Math" panose="02040503050406030204" pitchFamily="18" charset="0"/>
                             </a:rPr>
@@ -4055,33 +4099,51 @@
                         </m:sSupPr>
                         <m:e>
                           <m:r>
-                            <a:rPr lang="en-US" i="1" dirty="0">
+                            <a:rPr lang="en-US" b="1" i="1" dirty="0">
+                              <a:solidFill>
+                                <a:schemeClr val="tx1"/>
+                              </a:solidFill>
                               <a:latin typeface="Cambria Math" panose="02040503050406030204" pitchFamily="18" charset="0"/>
                             </a:rPr>
-                            <m:t>𝑏</m:t>
+                            <m:t>𝒃</m:t>
                           </m:r>
                         </m:e>
                         <m:sup>
                           <m:r>
-                            <a:rPr lang="en-US" i="0" dirty="0">
+                            <a:rPr lang="en-US" b="1" i="0" dirty="0">
+                              <a:solidFill>
+                                <a:schemeClr val="tx1"/>
+                              </a:solidFill>
                               <a:latin typeface="Cambria Math" panose="02040503050406030204" pitchFamily="18" charset="0"/>
                             </a:rPr>
                             <m:t>′</m:t>
                           </m:r>
                           <m:r>
-                            <a:rPr lang="en-US" b="0" i="0" dirty="0" smtClean="0">
+                            <a:rPr lang="en-US" b="1" i="0" dirty="0" smtClean="0">
+                              <a:solidFill>
+                                <a:schemeClr val="tx1"/>
+                              </a:solidFill>
                               <a:latin typeface="Cambria Math" panose="02040503050406030204" pitchFamily="18" charset="0"/>
                             </a:rPr>
-                            <m:t>−1</m:t>
+                            <m:t>−</m:t>
+                          </m:r>
+                          <m:r>
+                            <a:rPr lang="en-US" b="1" i="0" dirty="0" smtClean="0">
+                              <a:solidFill>
+                                <a:schemeClr val="tx1"/>
+                              </a:solidFill>
+                              <a:latin typeface="Cambria Math" panose="02040503050406030204" pitchFamily="18" charset="0"/>
+                            </a:rPr>
+                            <m:t>𝟏</m:t>
                           </m:r>
                         </m:sup>
                       </m:sSup>
                       <m:d>
                         <m:dPr>
                           <m:ctrlPr>
-                            <a:rPr lang="en-US" i="1" dirty="0">
+                            <a:rPr lang="en-US" b="1" i="1" dirty="0">
                               <a:solidFill>
-                                <a:srgbClr val="836967"/>
+                                <a:schemeClr val="tx1"/>
                               </a:solidFill>
                               <a:latin typeface="Cambria Math" panose="02040503050406030204" pitchFamily="18" charset="0"/>
                             </a:rPr>
@@ -4089,17 +4151,24 @@
                         </m:dPr>
                         <m:e>
                           <m:r>
-                            <a:rPr lang="en-US" i="1" dirty="0">
+                            <a:rPr lang="en-US" b="1" i="1" dirty="0" smtClean="0">
+                              <a:solidFill>
+                                <a:schemeClr val="tx1"/>
+                              </a:solidFill>
                               <a:latin typeface="Cambria Math" panose="02040503050406030204" pitchFamily="18" charset="0"/>
                             </a:rPr>
-                            <m:t>𝜃</m:t>
+                            <m:t>𝝁</m:t>
                           </m:r>
                         </m:e>
                       </m:d>
                     </m:oMath>
                   </m:oMathPara>
                 </a14:m>
-                <a:endParaRPr lang="en-US" dirty="0"/>
+                <a:endParaRPr lang="en-US" b="1" dirty="0">
+                  <a:solidFill>
+                    <a:schemeClr val="tx1"/>
+                  </a:solidFill>
+                </a:endParaRPr>
               </a:p>
             </p:txBody>
           </p:sp>
@@ -4122,7 +4191,7 @@
             <p:spPr>
               <a:xfrm>
                 <a:off x="3230232" y="2441276"/>
-                <a:ext cx="752296" cy="369332"/>
+                <a:ext cx="752296" cy="375552"/>
               </a:xfrm>
               <a:prstGeom prst="rect">
                 <a:avLst/>
@@ -4130,7 +4199,7 @@
               <a:blipFill>
                 <a:blip r:embed="rId6"/>
                 <a:stretch>
-                  <a:fillRect r="-9756"/>
+                  <a:fillRect r="-13008" b="-3226"/>
                 </a:stretch>
               </a:blipFill>
             </p:spPr>
@@ -4179,6 +4248,7 @@
               </a:bodyPr>
               <a:lstStyle/>
               <a:p>
+                <a:pPr/>
                 <a14:m>
                   <m:oMathPara xmlns:m="http://schemas.openxmlformats.org/officeDocument/2006/math">
                     <m:oMathParaPr>
@@ -4186,20 +4256,20 @@
                     </m:oMathParaPr>
                     <m:oMath xmlns:m="http://schemas.openxmlformats.org/officeDocument/2006/math">
                       <m:r>
-                        <a:rPr lang="en-US" i="1" dirty="0" smtClean="0">
+                        <a:rPr lang="en-US" b="1" i="1" dirty="0" smtClean="0">
                           <a:solidFill>
-                            <a:srgbClr val="836967"/>
+                            <a:schemeClr val="tx1"/>
                           </a:solidFill>
                           <a:latin typeface="Cambria Math" panose="02040503050406030204" pitchFamily="18" charset="0"/>
                         </a:rPr>
-                        <m:t>𝑔</m:t>
+                        <m:t>𝒈</m:t>
                       </m:r>
                       <m:d>
                         <m:dPr>
                           <m:ctrlPr>
-                            <a:rPr lang="en-US" i="1" dirty="0">
+                            <a:rPr lang="en-US" b="1" i="1" dirty="0">
                               <a:solidFill>
-                                <a:srgbClr val="836967"/>
+                                <a:schemeClr val="tx1"/>
                               </a:solidFill>
                               <a:latin typeface="Cambria Math" panose="02040503050406030204" pitchFamily="18" charset="0"/>
                             </a:rPr>
@@ -4207,20 +4277,24 @@
                         </m:dPr>
                         <m:e>
                           <m:r>
-                            <a:rPr lang="en-US" b="0" i="1" dirty="0" smtClean="0">
+                            <a:rPr lang="en-US" b="1" i="1" dirty="0" smtClean="0">
                               <a:solidFill>
-                                <a:srgbClr val="836967"/>
+                                <a:schemeClr val="tx1"/>
                               </a:solidFill>
                               <a:latin typeface="Cambria Math" panose="02040503050406030204" pitchFamily="18" charset="0"/>
                             </a:rPr>
-                            <m:t>𝜇</m:t>
+                            <m:t>𝝁</m:t>
                           </m:r>
                         </m:e>
                       </m:d>
                     </m:oMath>
                   </m:oMathPara>
                 </a14:m>
-                <a:endParaRPr lang="en-US" dirty="0"/>
+                <a:endParaRPr lang="en-US" b="1" dirty="0">
+                  <a:solidFill>
+                    <a:schemeClr val="tx1"/>
+                  </a:solidFill>
+                </a:endParaRPr>
               </a:p>
             </p:txBody>
           </p:sp>
@@ -4287,7 +4361,7 @@
             <p:spPr>
               <a:xfrm>
                 <a:off x="5719852" y="2424991"/>
-                <a:ext cx="752296" cy="369332"/>
+                <a:ext cx="752296" cy="375552"/>
               </a:xfrm>
               <a:prstGeom prst="rect">
                 <a:avLst/>
@@ -4300,6 +4374,7 @@
               </a:bodyPr>
               <a:lstStyle/>
               <a:p>
+                <a:pPr/>
                 <a14:m>
                   <m:oMathPara xmlns:m="http://schemas.openxmlformats.org/officeDocument/2006/math">
                     <m:oMathParaPr>
@@ -4309,9 +4384,9 @@
                       <m:sSup>
                         <m:sSupPr>
                           <m:ctrlPr>
-                            <a:rPr lang="en-US" i="1" dirty="0" smtClean="0">
+                            <a:rPr lang="en-US" b="1" i="1" dirty="0" smtClean="0">
                               <a:solidFill>
-                                <a:srgbClr val="836967"/>
+                                <a:schemeClr val="tx1"/>
                               </a:solidFill>
                               <a:latin typeface="Cambria Math" panose="02040503050406030204" pitchFamily="18" charset="0"/>
                             </a:rPr>
@@ -4319,33 +4394,42 @@
                         </m:sSupPr>
                         <m:e>
                           <m:r>
-                            <a:rPr lang="en-US" b="0" i="1" dirty="0" smtClean="0">
+                            <a:rPr lang="en-US" b="1" i="1" dirty="0" smtClean="0">
                               <a:solidFill>
-                                <a:srgbClr val="836967"/>
+                                <a:schemeClr val="tx1"/>
                               </a:solidFill>
                               <a:latin typeface="Cambria Math" panose="02040503050406030204" pitchFamily="18" charset="0"/>
                             </a:rPr>
-                            <m:t>𝑔</m:t>
+                            <m:t>𝒈</m:t>
                           </m:r>
                         </m:e>
                         <m:sup>
                           <m:r>
-                            <a:rPr lang="en-US" b="0" i="1" dirty="0" smtClean="0">
+                            <a:rPr lang="en-US" b="1" i="1" dirty="0" smtClean="0">
                               <a:solidFill>
-                                <a:srgbClr val="836967"/>
+                                <a:schemeClr val="tx1"/>
                               </a:solidFill>
                               <a:latin typeface="Cambria Math" panose="02040503050406030204" pitchFamily="18" charset="0"/>
                             </a:rPr>
-                            <m:t>−1</m:t>
+                            <m:t>−</m:t>
+                          </m:r>
+                          <m:r>
+                            <a:rPr lang="en-US" b="1" i="1" dirty="0" smtClean="0">
+                              <a:solidFill>
+                                <a:schemeClr val="tx1"/>
+                              </a:solidFill>
+                              <a:latin typeface="Cambria Math" panose="02040503050406030204" pitchFamily="18" charset="0"/>
+                            </a:rPr>
+                            <m:t>𝟏</m:t>
                           </m:r>
                         </m:sup>
                       </m:sSup>
                       <m:d>
                         <m:dPr>
                           <m:ctrlPr>
-                            <a:rPr lang="en-US" i="1" dirty="0">
+                            <a:rPr lang="en-US" b="1" i="1" dirty="0">
                               <a:solidFill>
-                                <a:srgbClr val="836967"/>
+                                <a:schemeClr val="tx1"/>
                               </a:solidFill>
                               <a:latin typeface="Cambria Math" panose="02040503050406030204" pitchFamily="18" charset="0"/>
                             </a:rPr>
@@ -4353,20 +4437,24 @@
                         </m:dPr>
                         <m:e>
                           <m:r>
-                            <a:rPr lang="en-US" b="0" i="1" dirty="0" smtClean="0">
+                            <a:rPr lang="en-US" b="1" i="1" dirty="0" smtClean="0">
                               <a:solidFill>
-                                <a:srgbClr val="836967"/>
+                                <a:schemeClr val="tx1"/>
                               </a:solidFill>
                               <a:latin typeface="Cambria Math" panose="02040503050406030204" pitchFamily="18" charset="0"/>
                             </a:rPr>
-                            <m:t>𝜂</m:t>
+                            <m:t>𝜼</m:t>
                           </m:r>
                         </m:e>
                       </m:d>
                     </m:oMath>
                   </m:oMathPara>
                 </a14:m>
-                <a:endParaRPr lang="en-US" dirty="0"/>
+                <a:endParaRPr lang="en-US" b="1" dirty="0">
+                  <a:solidFill>
+                    <a:schemeClr val="tx1"/>
+                  </a:solidFill>
+                </a:endParaRPr>
               </a:p>
             </p:txBody>
           </p:sp>
@@ -4389,7 +4477,7 @@
             <p:spPr>
               <a:xfrm>
                 <a:off x="5719852" y="2424991"/>
-                <a:ext cx="752296" cy="369332"/>
+                <a:ext cx="752296" cy="375552"/>
               </a:xfrm>
               <a:prstGeom prst="rect">
                 <a:avLst/>
@@ -4397,7 +4485,7 @@
               <a:blipFill>
                 <a:blip r:embed="rId8"/>
                 <a:stretch>
-                  <a:fillRect r="-1613" b="-6667"/>
+                  <a:fillRect r="-5645" b="-6557"/>
                 </a:stretch>
               </a:blipFill>
             </p:spPr>
